--- a/Risk-Reward in the Bond Market.pptx
+++ b/Risk-Reward in the Bond Market.pptx
@@ -126,6 +126,11 @@
       </a:defRPr>
     </a:lvl9pPr>
   </p:defaultTextStyle>
+  <p:extLst>
+    <p:ext uri="{EFAFB233-063F-42B5-8137-9DF3F51BA10A}">
+      <p15:sldGuideLst xmlns:p15="http://schemas.microsoft.com/office/powerpoint/2012/main"/>
+    </p:ext>
+  </p:extLst>
 </p:presentation>
 </file>
 
@@ -276,7 +281,7 @@
           <a:p>
             <a:fld id="{47368D56-DD10-42A4-B594-22AB7BA328B2}" type="datetimeFigureOut">
               <a:rPr lang="en-US" smtClean="0"/>
-              <a:t>9/30/2021</a:t>
+              <a:t>10/21/2021</a:t>
             </a:fld>
             <a:endParaRPr lang="en-US"/>
           </a:p>
@@ -474,7 +479,7 @@
           <a:p>
             <a:fld id="{47368D56-DD10-42A4-B594-22AB7BA328B2}" type="datetimeFigureOut">
               <a:rPr lang="en-US" smtClean="0"/>
-              <a:t>9/30/2021</a:t>
+              <a:t>10/21/2021</a:t>
             </a:fld>
             <a:endParaRPr lang="en-US"/>
           </a:p>
@@ -682,7 +687,7 @@
           <a:p>
             <a:fld id="{47368D56-DD10-42A4-B594-22AB7BA328B2}" type="datetimeFigureOut">
               <a:rPr lang="en-US" smtClean="0"/>
-              <a:t>9/30/2021</a:t>
+              <a:t>10/21/2021</a:t>
             </a:fld>
             <a:endParaRPr lang="en-US"/>
           </a:p>
@@ -880,7 +885,7 @@
           <a:p>
             <a:fld id="{47368D56-DD10-42A4-B594-22AB7BA328B2}" type="datetimeFigureOut">
               <a:rPr lang="en-US" smtClean="0"/>
-              <a:t>9/30/2021</a:t>
+              <a:t>10/21/2021</a:t>
             </a:fld>
             <a:endParaRPr lang="en-US"/>
           </a:p>
@@ -1155,7 +1160,7 @@
           <a:p>
             <a:fld id="{47368D56-DD10-42A4-B594-22AB7BA328B2}" type="datetimeFigureOut">
               <a:rPr lang="en-US" smtClean="0"/>
-              <a:t>9/30/2021</a:t>
+              <a:t>10/21/2021</a:t>
             </a:fld>
             <a:endParaRPr lang="en-US"/>
           </a:p>
@@ -1420,7 +1425,7 @@
           <a:p>
             <a:fld id="{47368D56-DD10-42A4-B594-22AB7BA328B2}" type="datetimeFigureOut">
               <a:rPr lang="en-US" smtClean="0"/>
-              <a:t>9/30/2021</a:t>
+              <a:t>10/21/2021</a:t>
             </a:fld>
             <a:endParaRPr lang="en-US"/>
           </a:p>
@@ -1832,7 +1837,7 @@
           <a:p>
             <a:fld id="{47368D56-DD10-42A4-B594-22AB7BA328B2}" type="datetimeFigureOut">
               <a:rPr lang="en-US" smtClean="0"/>
-              <a:t>9/30/2021</a:t>
+              <a:t>10/21/2021</a:t>
             </a:fld>
             <a:endParaRPr lang="en-US"/>
           </a:p>
@@ -1973,7 +1978,7 @@
           <a:p>
             <a:fld id="{47368D56-DD10-42A4-B594-22AB7BA328B2}" type="datetimeFigureOut">
               <a:rPr lang="en-US" smtClean="0"/>
-              <a:t>9/30/2021</a:t>
+              <a:t>10/21/2021</a:t>
             </a:fld>
             <a:endParaRPr lang="en-US"/>
           </a:p>
@@ -2086,7 +2091,7 @@
           <a:p>
             <a:fld id="{47368D56-DD10-42A4-B594-22AB7BA328B2}" type="datetimeFigureOut">
               <a:rPr lang="en-US" smtClean="0"/>
-              <a:t>9/30/2021</a:t>
+              <a:t>10/21/2021</a:t>
             </a:fld>
             <a:endParaRPr lang="en-US"/>
           </a:p>
@@ -2397,7 +2402,7 @@
           <a:p>
             <a:fld id="{47368D56-DD10-42A4-B594-22AB7BA328B2}" type="datetimeFigureOut">
               <a:rPr lang="en-US" smtClean="0"/>
-              <a:t>9/30/2021</a:t>
+              <a:t>10/21/2021</a:t>
             </a:fld>
             <a:endParaRPr lang="en-US"/>
           </a:p>
@@ -2685,7 +2690,7 @@
           <a:p>
             <a:fld id="{47368D56-DD10-42A4-B594-22AB7BA328B2}" type="datetimeFigureOut">
               <a:rPr lang="en-US" smtClean="0"/>
-              <a:t>9/30/2021</a:t>
+              <a:t>10/21/2021</a:t>
             </a:fld>
             <a:endParaRPr lang="en-US"/>
           </a:p>
@@ -2926,7 +2931,7 @@
           <a:p>
             <a:fld id="{47368D56-DD10-42A4-B594-22AB7BA328B2}" type="datetimeFigureOut">
               <a:rPr lang="en-US" smtClean="0"/>
-              <a:t>9/30/2021</a:t>
+              <a:t>10/21/2021</a:t>
             </a:fld>
             <a:endParaRPr lang="en-US"/>
           </a:p>
@@ -14704,8 +14709,8 @@
           </a:p>
         </p:txBody>
       </p:sp>
-      <mc:AlternateContent xmlns:mc="http://schemas.openxmlformats.org/markup-compatibility/2006">
-        <mc:Choice xmlns:a14="http://schemas.microsoft.com/office/drawing/2010/main" Requires="a14">
+      <mc:AlternateContent xmlns:mc="http://schemas.openxmlformats.org/markup-compatibility/2006" xmlns:a14="http://schemas.microsoft.com/office/drawing/2010/main">
+        <mc:Choice Requires="a14">
           <p:sp>
             <p:nvSpPr>
               <p:cNvPr id="3" name="Content Placeholder 2">
@@ -14941,13 +14946,7 @@
                             <a:rPr lang="en-US" b="0" i="1" smtClean="0">
                               <a:latin typeface="Cambria Math" panose="02040503050406030204" pitchFamily="18" charset="0"/>
                             </a:rPr>
-                            <m:t>=</m:t>
-                          </m:r>
-                          <m:r>
-                            <a:rPr lang="en-US" b="0" i="1" smtClean="0">
-                              <a:latin typeface="Cambria Math" panose="02040503050406030204" pitchFamily="18" charset="0"/>
-                            </a:rPr>
-                            <m:t>0</m:t>
+                            <m:t>=0</m:t>
                           </m:r>
                         </m:sub>
                         <m:sup>
@@ -15218,7 +15217,7 @@
             </p:txBody>
           </p:sp>
         </mc:Choice>
-        <mc:Fallback>
+        <mc:Fallback xmlns="">
           <p:sp>
             <p:nvSpPr>
               <p:cNvPr id="3" name="Content Placeholder 2">
@@ -16235,8 +16234,8 @@
           </a:p>
         </p:txBody>
       </p:sp>
-      <mc:AlternateContent xmlns:mc="http://schemas.openxmlformats.org/markup-compatibility/2006">
-        <mc:Choice xmlns:a14="http://schemas.microsoft.com/office/drawing/2010/main" Requires="a14">
+      <mc:AlternateContent xmlns:mc="http://schemas.openxmlformats.org/markup-compatibility/2006" xmlns:a14="http://schemas.microsoft.com/office/drawing/2010/main">
+        <mc:Choice Requires="a14">
           <p:sp>
             <p:nvSpPr>
               <p:cNvPr id="3" name="Content Placeholder 2">
@@ -16733,7 +16732,7 @@
             </p:txBody>
           </p:sp>
         </mc:Choice>
-        <mc:Fallback>
+        <mc:Fallback xmlns="">
           <p:sp>
             <p:nvSpPr>
               <p:cNvPr id="3" name="Content Placeholder 2">
@@ -16926,8 +16925,8 @@
           </a:p>
         </p:txBody>
       </p:sp>
-      <mc:AlternateContent xmlns:mc="http://schemas.openxmlformats.org/markup-compatibility/2006">
-        <mc:Choice xmlns:a14="http://schemas.microsoft.com/office/drawing/2010/main" Requires="a14">
+      <mc:AlternateContent xmlns:mc="http://schemas.openxmlformats.org/markup-compatibility/2006" xmlns:a14="http://schemas.microsoft.com/office/drawing/2010/main">
+        <mc:Choice Requires="a14">
           <p:sp>
             <p:nvSpPr>
               <p:cNvPr id="3" name="Content Placeholder 2">
@@ -17166,7 +17165,7 @@
             </p:txBody>
           </p:sp>
         </mc:Choice>
-        <mc:Fallback>
+        <mc:Fallback xmlns="">
           <p:sp>
             <p:nvSpPr>
               <p:cNvPr id="3" name="Content Placeholder 2">
@@ -24587,8 +24586,8 @@
           </a:p>
         </p:txBody>
       </p:sp>
-      <mc:AlternateContent xmlns:mc="http://schemas.openxmlformats.org/markup-compatibility/2006">
-        <mc:Choice xmlns:a14="http://schemas.microsoft.com/office/drawing/2010/main" Requires="a14">
+      <mc:AlternateContent xmlns:mc="http://schemas.openxmlformats.org/markup-compatibility/2006" xmlns:a14="http://schemas.microsoft.com/office/drawing/2010/main">
+        <mc:Choice Requires="a14">
           <p:sp>
             <p:nvSpPr>
               <p:cNvPr id="3" name="Content Placeholder 2">
@@ -24775,7 +24774,7 @@
             </p:txBody>
           </p:sp>
         </mc:Choice>
-        <mc:Fallback>
+        <mc:Fallback xmlns="">
           <p:sp>
             <p:nvSpPr>
               <p:cNvPr id="3" name="Content Placeholder 2">

--- a/Risk-Reward in the Bond Market.pptx
+++ b/Risk-Reward in the Bond Market.pptx
@@ -17,17 +17,16 @@
     <p:sldId id="265" r:id="rId11"/>
     <p:sldId id="266" r:id="rId12"/>
     <p:sldId id="267" r:id="rId13"/>
-    <p:sldId id="268" r:id="rId14"/>
-    <p:sldId id="269" r:id="rId15"/>
-    <p:sldId id="271" r:id="rId16"/>
-    <p:sldId id="270" r:id="rId17"/>
-    <p:sldId id="272" r:id="rId18"/>
-    <p:sldId id="273" r:id="rId19"/>
-    <p:sldId id="274" r:id="rId20"/>
-    <p:sldId id="275" r:id="rId21"/>
-    <p:sldId id="276" r:id="rId22"/>
-    <p:sldId id="277" r:id="rId23"/>
-    <p:sldId id="278" r:id="rId24"/>
+    <p:sldId id="269" r:id="rId14"/>
+    <p:sldId id="271" r:id="rId15"/>
+    <p:sldId id="270" r:id="rId16"/>
+    <p:sldId id="272" r:id="rId17"/>
+    <p:sldId id="273" r:id="rId18"/>
+    <p:sldId id="274" r:id="rId19"/>
+    <p:sldId id="275" r:id="rId20"/>
+    <p:sldId id="276" r:id="rId21"/>
+    <p:sldId id="277" r:id="rId22"/>
+    <p:sldId id="278" r:id="rId23"/>
   </p:sldIdLst>
   <p:sldSz cx="12192000" cy="6858000"/>
   <p:notesSz cx="6858000" cy="9144000"/>
@@ -281,7 +280,7 @@
           <a:p>
             <a:fld id="{47368D56-DD10-42A4-B594-22AB7BA328B2}" type="datetimeFigureOut">
               <a:rPr lang="en-US" smtClean="0"/>
-              <a:t>10/21/2021</a:t>
+              <a:t>9/27/2022</a:t>
             </a:fld>
             <a:endParaRPr lang="en-US"/>
           </a:p>
@@ -479,7 +478,7 @@
           <a:p>
             <a:fld id="{47368D56-DD10-42A4-B594-22AB7BA328B2}" type="datetimeFigureOut">
               <a:rPr lang="en-US" smtClean="0"/>
-              <a:t>10/21/2021</a:t>
+              <a:t>9/27/2022</a:t>
             </a:fld>
             <a:endParaRPr lang="en-US"/>
           </a:p>
@@ -687,7 +686,7 @@
           <a:p>
             <a:fld id="{47368D56-DD10-42A4-B594-22AB7BA328B2}" type="datetimeFigureOut">
               <a:rPr lang="en-US" smtClean="0"/>
-              <a:t>10/21/2021</a:t>
+              <a:t>9/27/2022</a:t>
             </a:fld>
             <a:endParaRPr lang="en-US"/>
           </a:p>
@@ -885,7 +884,7 @@
           <a:p>
             <a:fld id="{47368D56-DD10-42A4-B594-22AB7BA328B2}" type="datetimeFigureOut">
               <a:rPr lang="en-US" smtClean="0"/>
-              <a:t>10/21/2021</a:t>
+              <a:t>9/27/2022</a:t>
             </a:fld>
             <a:endParaRPr lang="en-US"/>
           </a:p>
@@ -1160,7 +1159,7 @@
           <a:p>
             <a:fld id="{47368D56-DD10-42A4-B594-22AB7BA328B2}" type="datetimeFigureOut">
               <a:rPr lang="en-US" smtClean="0"/>
-              <a:t>10/21/2021</a:t>
+              <a:t>9/27/2022</a:t>
             </a:fld>
             <a:endParaRPr lang="en-US"/>
           </a:p>
@@ -1425,7 +1424,7 @@
           <a:p>
             <a:fld id="{47368D56-DD10-42A4-B594-22AB7BA328B2}" type="datetimeFigureOut">
               <a:rPr lang="en-US" smtClean="0"/>
-              <a:t>10/21/2021</a:t>
+              <a:t>9/27/2022</a:t>
             </a:fld>
             <a:endParaRPr lang="en-US"/>
           </a:p>
@@ -1837,7 +1836,7 @@
           <a:p>
             <a:fld id="{47368D56-DD10-42A4-B594-22AB7BA328B2}" type="datetimeFigureOut">
               <a:rPr lang="en-US" smtClean="0"/>
-              <a:t>10/21/2021</a:t>
+              <a:t>9/27/2022</a:t>
             </a:fld>
             <a:endParaRPr lang="en-US"/>
           </a:p>
@@ -1978,7 +1977,7 @@
           <a:p>
             <a:fld id="{47368D56-DD10-42A4-B594-22AB7BA328B2}" type="datetimeFigureOut">
               <a:rPr lang="en-US" smtClean="0"/>
-              <a:t>10/21/2021</a:t>
+              <a:t>9/27/2022</a:t>
             </a:fld>
             <a:endParaRPr lang="en-US"/>
           </a:p>
@@ -2091,7 +2090,7 @@
           <a:p>
             <a:fld id="{47368D56-DD10-42A4-B594-22AB7BA328B2}" type="datetimeFigureOut">
               <a:rPr lang="en-US" smtClean="0"/>
-              <a:t>10/21/2021</a:t>
+              <a:t>9/27/2022</a:t>
             </a:fld>
             <a:endParaRPr lang="en-US"/>
           </a:p>
@@ -2402,7 +2401,7 @@
           <a:p>
             <a:fld id="{47368D56-DD10-42A4-B594-22AB7BA328B2}" type="datetimeFigureOut">
               <a:rPr lang="en-US" smtClean="0"/>
-              <a:t>10/21/2021</a:t>
+              <a:t>9/27/2022</a:t>
             </a:fld>
             <a:endParaRPr lang="en-US"/>
           </a:p>
@@ -2690,7 +2689,7 @@
           <a:p>
             <a:fld id="{47368D56-DD10-42A4-B594-22AB7BA328B2}" type="datetimeFigureOut">
               <a:rPr lang="en-US" smtClean="0"/>
-              <a:t>10/21/2021</a:t>
+              <a:t>9/27/2022</a:t>
             </a:fld>
             <a:endParaRPr lang="en-US"/>
           </a:p>
@@ -2931,7 +2930,7 @@
           <a:p>
             <a:fld id="{47368D56-DD10-42A4-B594-22AB7BA328B2}" type="datetimeFigureOut">
               <a:rPr lang="en-US" smtClean="0"/>
-              <a:t>10/21/2021</a:t>
+              <a:t>9/27/2022</a:t>
             </a:fld>
             <a:endParaRPr lang="en-US"/>
           </a:p>
@@ -15750,448 +15749,6 @@
 <file path=ppt/slides/slide13.xml><?xml version="1.0" encoding="utf-8"?>
 <p:sld xmlns:a="http://schemas.openxmlformats.org/drawingml/2006/main" xmlns:r="http://schemas.openxmlformats.org/officeDocument/2006/relationships" xmlns:p="http://schemas.openxmlformats.org/presentationml/2006/main">
   <p:cSld>
-    <p:bg>
-      <p:bgPr>
-        <a:solidFill>
-          <a:schemeClr val="bg1"/>
-        </a:solidFill>
-        <a:effectLst/>
-      </p:bgPr>
-    </p:bg>
-    <p:spTree>
-      <p:nvGrpSpPr>
-        <p:cNvPr id="1" name=""/>
-        <p:cNvGrpSpPr/>
-        <p:nvPr/>
-      </p:nvGrpSpPr>
-      <p:grpSpPr>
-        <a:xfrm>
-          <a:off x="0" y="0"/>
-          <a:ext cx="0" cy="0"/>
-          <a:chOff x="0" y="0"/>
-          <a:chExt cx="0" cy="0"/>
-        </a:xfrm>
-      </p:grpSpPr>
-      <p:sp useBgFill="1">
-        <p:nvSpPr>
-          <p:cNvPr id="23" name="Rectangle 22">
-            <a:extLst>
-              <a:ext uri="{FF2B5EF4-FFF2-40B4-BE49-F238E27FC236}">
-                <a16:creationId xmlns:a16="http://schemas.microsoft.com/office/drawing/2014/main" id="{2B97F24A-32CE-4C1C-A50D-3016B394DCFB}"/>
-              </a:ext>
-              <a:ext uri="{C183D7F6-B498-43B3-948B-1728B52AA6E4}">
-                <adec:decorative xmlns:adec="http://schemas.microsoft.com/office/drawing/2017/decorative" val="1"/>
-              </a:ext>
-            </a:extLst>
-          </p:cNvPr>
-          <p:cNvSpPr>
-            <a:spLocks noGrp="1" noRot="1" noChangeAspect="1" noMove="1" noResize="1" noEditPoints="1" noAdjustHandles="1" noChangeArrowheads="1" noChangeShapeType="1" noTextEdit="1"/>
-          </p:cNvSpPr>
-          <p:nvPr>
-            <p:extLst>
-              <p:ext uri="{386F3935-93C4-4BCD-93E2-E3B085C9AB24}">
-                <p16:designElem xmlns:p16="http://schemas.microsoft.com/office/powerpoint/2015/main" val="1"/>
-              </p:ext>
-            </p:extLst>
-          </p:nvPr>
-        </p:nvSpPr>
-        <p:spPr>
-          <a:xfrm>
-            <a:off x="0" y="0"/>
-            <a:ext cx="12192000" cy="6858000"/>
-          </a:xfrm>
-          <a:prstGeom prst="rect">
-            <a:avLst/>
-          </a:prstGeom>
-          <a:ln>
-            <a:noFill/>
-          </a:ln>
-        </p:spPr>
-        <p:style>
-          <a:lnRef idx="2">
-            <a:schemeClr val="accent1">
-              <a:shade val="50000"/>
-            </a:schemeClr>
-          </a:lnRef>
-          <a:fillRef idx="1">
-            <a:schemeClr val="accent1"/>
-          </a:fillRef>
-          <a:effectRef idx="0">
-            <a:schemeClr val="accent1"/>
-          </a:effectRef>
-          <a:fontRef idx="minor">
-            <a:schemeClr val="lt1"/>
-          </a:fontRef>
-        </p:style>
-        <p:txBody>
-          <a:bodyPr rtlCol="0" anchor="ctr"/>
-          <a:lstStyle/>
-          <a:p>
-            <a:pPr algn="ctr"/>
-            <a:endParaRPr lang="en-US"/>
-          </a:p>
-        </p:txBody>
-      </p:sp>
-      <p:sp>
-        <p:nvSpPr>
-          <p:cNvPr id="2" name="Title 1">
-            <a:extLst>
-              <a:ext uri="{FF2B5EF4-FFF2-40B4-BE49-F238E27FC236}">
-                <a16:creationId xmlns:a16="http://schemas.microsoft.com/office/drawing/2014/main" id="{4F20B50F-135D-4EED-AA6A-C65F048A6942}"/>
-              </a:ext>
-            </a:extLst>
-          </p:cNvPr>
-          <p:cNvSpPr>
-            <a:spLocks noGrp="1"/>
-          </p:cNvSpPr>
-          <p:nvPr>
-            <p:ph type="title"/>
-          </p:nvPr>
-        </p:nvSpPr>
-        <p:spPr>
-          <a:xfrm>
-            <a:off x="630936" y="639520"/>
-            <a:ext cx="3429000" cy="1719072"/>
-          </a:xfrm>
-        </p:spPr>
-        <p:txBody>
-          <a:bodyPr anchor="b">
-            <a:normAutofit/>
-          </a:bodyPr>
-          <a:lstStyle/>
-          <a:p>
-            <a:r>
-              <a:rPr lang="en-US" sz="5400"/>
-              <a:t>Together!</a:t>
-            </a:r>
-          </a:p>
-        </p:txBody>
-      </p:sp>
-      <p:sp>
-        <p:nvSpPr>
-          <p:cNvPr id="25" name="sketch line">
-            <a:extLst>
-              <a:ext uri="{FF2B5EF4-FFF2-40B4-BE49-F238E27FC236}">
-                <a16:creationId xmlns:a16="http://schemas.microsoft.com/office/drawing/2014/main" id="{CD8B4F24-440B-49E9-B85D-733523DC064B}"/>
-              </a:ext>
-              <a:ext uri="{C183D7F6-B498-43B3-948B-1728B52AA6E4}">
-                <adec:decorative xmlns:adec="http://schemas.microsoft.com/office/drawing/2017/decorative" val="1"/>
-              </a:ext>
-            </a:extLst>
-          </p:cNvPr>
-          <p:cNvSpPr>
-            <a:spLocks noGrp="1" noRot="1" noChangeAspect="1" noMove="1" noResize="1" noEditPoints="1" noAdjustHandles="1" noChangeArrowheads="1" noChangeShapeType="1" noTextEdit="1"/>
-          </p:cNvSpPr>
-          <p:nvPr>
-            <p:extLst>
-              <p:ext uri="{386F3935-93C4-4BCD-93E2-E3B085C9AB24}">
-                <p16:designElem xmlns:p16="http://schemas.microsoft.com/office/powerpoint/2015/main" val="1"/>
-              </p:ext>
-            </p:extLst>
-          </p:nvPr>
-        </p:nvSpPr>
-        <p:spPr>
-          <a:xfrm>
-            <a:off x="643278" y="2573756"/>
-            <a:ext cx="3255095" cy="18288"/>
-          </a:xfrm>
-          <a:custGeom>
-            <a:avLst/>
-            <a:gdLst>
-              <a:gd name="connsiteX0" fmla="*/ 0 w 3255095"/>
-              <a:gd name="connsiteY0" fmla="*/ 0 h 18288"/>
-              <a:gd name="connsiteX1" fmla="*/ 618468 w 3255095"/>
-              <a:gd name="connsiteY1" fmla="*/ 0 h 18288"/>
-              <a:gd name="connsiteX2" fmla="*/ 1269487 w 3255095"/>
-              <a:gd name="connsiteY2" fmla="*/ 0 h 18288"/>
-              <a:gd name="connsiteX3" fmla="*/ 1953057 w 3255095"/>
-              <a:gd name="connsiteY3" fmla="*/ 0 h 18288"/>
-              <a:gd name="connsiteX4" fmla="*/ 2636627 w 3255095"/>
-              <a:gd name="connsiteY4" fmla="*/ 0 h 18288"/>
-              <a:gd name="connsiteX5" fmla="*/ 3255095 w 3255095"/>
-              <a:gd name="connsiteY5" fmla="*/ 0 h 18288"/>
-              <a:gd name="connsiteX6" fmla="*/ 3255095 w 3255095"/>
-              <a:gd name="connsiteY6" fmla="*/ 18288 h 18288"/>
-              <a:gd name="connsiteX7" fmla="*/ 2538974 w 3255095"/>
-              <a:gd name="connsiteY7" fmla="*/ 18288 h 18288"/>
-              <a:gd name="connsiteX8" fmla="*/ 1822853 w 3255095"/>
-              <a:gd name="connsiteY8" fmla="*/ 18288 h 18288"/>
-              <a:gd name="connsiteX9" fmla="*/ 1171834 w 3255095"/>
-              <a:gd name="connsiteY9" fmla="*/ 18288 h 18288"/>
-              <a:gd name="connsiteX10" fmla="*/ 0 w 3255095"/>
-              <a:gd name="connsiteY10" fmla="*/ 18288 h 18288"/>
-              <a:gd name="connsiteX11" fmla="*/ 0 w 3255095"/>
-              <a:gd name="connsiteY11" fmla="*/ 0 h 18288"/>
-            </a:gdLst>
-            <a:ahLst/>
-            <a:cxnLst>
-              <a:cxn ang="0">
-                <a:pos x="connsiteX0" y="connsiteY0"/>
-              </a:cxn>
-              <a:cxn ang="0">
-                <a:pos x="connsiteX1" y="connsiteY1"/>
-              </a:cxn>
-              <a:cxn ang="0">
-                <a:pos x="connsiteX2" y="connsiteY2"/>
-              </a:cxn>
-              <a:cxn ang="0">
-                <a:pos x="connsiteX3" y="connsiteY3"/>
-              </a:cxn>
-              <a:cxn ang="0">
-                <a:pos x="connsiteX4" y="connsiteY4"/>
-              </a:cxn>
-              <a:cxn ang="0">
-                <a:pos x="connsiteX5" y="connsiteY5"/>
-              </a:cxn>
-              <a:cxn ang="0">
-                <a:pos x="connsiteX6" y="connsiteY6"/>
-              </a:cxn>
-              <a:cxn ang="0">
-                <a:pos x="connsiteX7" y="connsiteY7"/>
-              </a:cxn>
-              <a:cxn ang="0">
-                <a:pos x="connsiteX8" y="connsiteY8"/>
-              </a:cxn>
-              <a:cxn ang="0">
-                <a:pos x="connsiteX9" y="connsiteY9"/>
-              </a:cxn>
-              <a:cxn ang="0">
-                <a:pos x="connsiteX10" y="connsiteY10"/>
-              </a:cxn>
-              <a:cxn ang="0">
-                <a:pos x="connsiteX11" y="connsiteY11"/>
-              </a:cxn>
-            </a:cxnLst>
-            <a:rect l="l" t="t" r="r" b="b"/>
-            <a:pathLst>
-              <a:path w="3255095" h="18288" fill="none" extrusionOk="0">
-                <a:moveTo>
-                  <a:pt x="0" y="0"/>
-                </a:moveTo>
-                <a:cubicBezTo>
-                  <a:pt x="240201" y="-22123"/>
-                  <a:pt x="462021" y="-19623"/>
-                  <a:pt x="618468" y="0"/>
-                </a:cubicBezTo>
-                <a:cubicBezTo>
-                  <a:pt x="774915" y="19623"/>
-                  <a:pt x="974734" y="2035"/>
-                  <a:pt x="1269487" y="0"/>
-                </a:cubicBezTo>
-                <a:cubicBezTo>
-                  <a:pt x="1564240" y="-2035"/>
-                  <a:pt x="1733579" y="10639"/>
-                  <a:pt x="1953057" y="0"/>
-                </a:cubicBezTo>
-                <a:cubicBezTo>
-                  <a:pt x="2172535" y="-10639"/>
-                  <a:pt x="2453962" y="14018"/>
-                  <a:pt x="2636627" y="0"/>
-                </a:cubicBezTo>
-                <a:cubicBezTo>
-                  <a:pt x="2819292" y="-14018"/>
-                  <a:pt x="3121375" y="5399"/>
-                  <a:pt x="3255095" y="0"/>
-                </a:cubicBezTo>
-                <a:cubicBezTo>
-                  <a:pt x="3254386" y="8157"/>
-                  <a:pt x="3254682" y="12125"/>
-                  <a:pt x="3255095" y="18288"/>
-                </a:cubicBezTo>
-                <a:cubicBezTo>
-                  <a:pt x="3088545" y="23203"/>
-                  <a:pt x="2687475" y="7419"/>
-                  <a:pt x="2538974" y="18288"/>
-                </a:cubicBezTo>
-                <a:cubicBezTo>
-                  <a:pt x="2390473" y="29157"/>
-                  <a:pt x="2137381" y="-8959"/>
-                  <a:pt x="1822853" y="18288"/>
-                </a:cubicBezTo>
-                <a:cubicBezTo>
-                  <a:pt x="1508325" y="45535"/>
-                  <a:pt x="1466437" y="20385"/>
-                  <a:pt x="1171834" y="18288"/>
-                </a:cubicBezTo>
-                <a:cubicBezTo>
-                  <a:pt x="877231" y="16191"/>
-                  <a:pt x="561097" y="37643"/>
-                  <a:pt x="0" y="18288"/>
-                </a:cubicBezTo>
-                <a:cubicBezTo>
-                  <a:pt x="-46" y="12483"/>
-                  <a:pt x="-203" y="6491"/>
-                  <a:pt x="0" y="0"/>
-                </a:cubicBezTo>
-                <a:close/>
-              </a:path>
-              <a:path w="3255095" h="18288" stroke="0" extrusionOk="0">
-                <a:moveTo>
-                  <a:pt x="0" y="0"/>
-                </a:moveTo>
-                <a:cubicBezTo>
-                  <a:pt x="291965" y="19429"/>
-                  <a:pt x="363155" y="8568"/>
-                  <a:pt x="618468" y="0"/>
-                </a:cubicBezTo>
-                <a:cubicBezTo>
-                  <a:pt x="873781" y="-8568"/>
-                  <a:pt x="904459" y="-19505"/>
-                  <a:pt x="1171834" y="0"/>
-                </a:cubicBezTo>
-                <a:cubicBezTo>
-                  <a:pt x="1439209" y="19505"/>
-                  <a:pt x="1744369" y="9790"/>
-                  <a:pt x="1887955" y="0"/>
-                </a:cubicBezTo>
-                <a:cubicBezTo>
-                  <a:pt x="2031541" y="-9790"/>
-                  <a:pt x="2346378" y="21240"/>
-                  <a:pt x="2506423" y="0"/>
-                </a:cubicBezTo>
-                <a:cubicBezTo>
-                  <a:pt x="2666468" y="-21240"/>
-                  <a:pt x="2990257" y="30414"/>
-                  <a:pt x="3255095" y="0"/>
-                </a:cubicBezTo>
-                <a:cubicBezTo>
-                  <a:pt x="3254831" y="4493"/>
-                  <a:pt x="3255479" y="9472"/>
-                  <a:pt x="3255095" y="18288"/>
-                </a:cubicBezTo>
-                <a:cubicBezTo>
-                  <a:pt x="3120743" y="16690"/>
-                  <a:pt x="2759628" y="42462"/>
-                  <a:pt x="2604076" y="18288"/>
-                </a:cubicBezTo>
-                <a:cubicBezTo>
-                  <a:pt x="2448524" y="-5886"/>
-                  <a:pt x="2184336" y="19599"/>
-                  <a:pt x="1887955" y="18288"/>
-                </a:cubicBezTo>
-                <a:cubicBezTo>
-                  <a:pt x="1591574" y="16977"/>
-                  <a:pt x="1548845" y="6870"/>
-                  <a:pt x="1334589" y="18288"/>
-                </a:cubicBezTo>
-                <a:cubicBezTo>
-                  <a:pt x="1120333" y="29706"/>
-                  <a:pt x="996014" y="9662"/>
-                  <a:pt x="683570" y="18288"/>
-                </a:cubicBezTo>
-                <a:cubicBezTo>
-                  <a:pt x="371126" y="26914"/>
-                  <a:pt x="198687" y="16167"/>
-                  <a:pt x="0" y="18288"/>
-                </a:cubicBezTo>
-                <a:cubicBezTo>
-                  <a:pt x="843" y="9577"/>
-                  <a:pt x="371" y="6900"/>
-                  <a:pt x="0" y="0"/>
-                </a:cubicBezTo>
-                <a:close/>
-              </a:path>
-            </a:pathLst>
-          </a:custGeom>
-          <a:solidFill>
-            <a:schemeClr val="accent2"/>
-          </a:solidFill>
-          <a:ln w="38100" cap="rnd">
-            <a:solidFill>
-              <a:schemeClr val="accent2"/>
-            </a:solidFill>
-            <a:round/>
-            <a:extLst>
-              <a:ext uri="{C807C97D-BFC1-408E-A445-0C87EB9F89A2}">
-                <ask:lineSketchStyleProps xmlns:ask="http://schemas.microsoft.com/office/drawing/2018/sketchyshapes" sd="1219033472">
-                  <a:prstGeom prst="rect">
-                    <a:avLst/>
-                  </a:prstGeom>
-                  <ask:type>
-                    <ask:lineSketchFreehand/>
-                  </ask:type>
-                </ask:lineSketchStyleProps>
-              </a:ext>
-            </a:extLst>
-          </a:ln>
-        </p:spPr>
-        <p:style>
-          <a:lnRef idx="2">
-            <a:schemeClr val="accent1">
-              <a:shade val="50000"/>
-            </a:schemeClr>
-          </a:lnRef>
-          <a:fillRef idx="1">
-            <a:schemeClr val="accent1"/>
-          </a:fillRef>
-          <a:effectRef idx="0">
-            <a:schemeClr val="accent1"/>
-          </a:effectRef>
-          <a:fontRef idx="minor">
-            <a:schemeClr val="lt1"/>
-          </a:fontRef>
-        </p:style>
-        <p:txBody>
-          <a:bodyPr rtlCol="0" anchor="ctr"/>
-          <a:lstStyle/>
-          <a:p>
-            <a:pPr algn="ctr"/>
-            <a:endParaRPr lang="en-US"/>
-          </a:p>
-        </p:txBody>
-      </p:sp>
-      <p:pic>
-        <p:nvPicPr>
-          <p:cNvPr id="7" name="Content Placeholder 6" descr="Diagram&#10;&#10;Description automatically generated">
-            <a:extLst>
-              <a:ext uri="{FF2B5EF4-FFF2-40B4-BE49-F238E27FC236}">
-                <a16:creationId xmlns:a16="http://schemas.microsoft.com/office/drawing/2014/main" id="{68B43BE3-4CF2-48BC-B3C7-37B8D8AEE8DF}"/>
-              </a:ext>
-            </a:extLst>
-          </p:cNvPr>
-          <p:cNvPicPr>
-            <a:picLocks noChangeAspect="1"/>
-          </p:cNvPicPr>
-          <p:nvPr/>
-        </p:nvPicPr>
-        <p:blipFill>
-          <a:blip r:embed="rId2">
-            <a:extLst>
-              <a:ext uri="{28A0092B-C50C-407E-A947-70E740481C1C}">
-                <a14:useLocalDpi xmlns:a14="http://schemas.microsoft.com/office/drawing/2010/main" val="0"/>
-              </a:ext>
-            </a:extLst>
-          </a:blip>
-          <a:stretch>
-            <a:fillRect/>
-          </a:stretch>
-        </p:blipFill>
-        <p:spPr>
-          <a:xfrm>
-            <a:off x="4654296" y="1139412"/>
-            <a:ext cx="6903720" cy="4579176"/>
-          </a:xfrm>
-          <a:prstGeom prst="rect">
-            <a:avLst/>
-          </a:prstGeom>
-        </p:spPr>
-      </p:pic>
-    </p:spTree>
-    <p:extLst>
-      <p:ext uri="{BB962C8B-B14F-4D97-AF65-F5344CB8AC3E}">
-        <p14:creationId xmlns:p14="http://schemas.microsoft.com/office/powerpoint/2010/main" val="1647384690"/>
-      </p:ext>
-    </p:extLst>
-  </p:cSld>
-  <p:clrMapOvr>
-    <a:masterClrMapping/>
-  </p:clrMapOvr>
-</p:sld>
-</file>
-
-<file path=ppt/slides/slide14.xml><?xml version="1.0" encoding="utf-8"?>
-<p:sld xmlns:a="http://schemas.openxmlformats.org/drawingml/2006/main" xmlns:r="http://schemas.openxmlformats.org/officeDocument/2006/relationships" xmlns:p="http://schemas.openxmlformats.org/presentationml/2006/main">
-  <p:cSld>
     <p:spTree>
       <p:nvGrpSpPr>
         <p:cNvPr id="1" name=""/>
@@ -16229,7 +15786,7 @@
           <a:p>
             <a:r>
               <a:rPr lang="en-US" dirty="0"/>
-              <a:t>Together … again!</a:t>
+              <a:t>Together</a:t>
             </a:r>
           </a:p>
         </p:txBody>
@@ -16785,7 +16342,7 @@
 </p:sld>
 </file>
 
-<file path=ppt/slides/slide15.xml><?xml version="1.0" encoding="utf-8"?>
+<file path=ppt/slides/slide14.xml><?xml version="1.0" encoding="utf-8"?>
 <p:sld xmlns:a="http://schemas.openxmlformats.org/drawingml/2006/main" xmlns:r="http://schemas.openxmlformats.org/officeDocument/2006/relationships" xmlns:p="http://schemas.openxmlformats.org/presentationml/2006/main">
   <p:cSld>
     <p:spTree>
@@ -16880,7 +16437,7 @@
 </p:sld>
 </file>
 
-<file path=ppt/slides/slide16.xml><?xml version="1.0" encoding="utf-8"?>
+<file path=ppt/slides/slide15.xml><?xml version="1.0" encoding="utf-8"?>
 <p:sld xmlns:a="http://schemas.openxmlformats.org/drawingml/2006/main" xmlns:r="http://schemas.openxmlformats.org/officeDocument/2006/relationships" xmlns:p="http://schemas.openxmlformats.org/presentationml/2006/main">
   <p:cSld>
     <p:spTree>
@@ -17218,7 +16775,7 @@
 </p:sld>
 </file>
 
-<file path=ppt/slides/slide17.xml><?xml version="1.0" encoding="utf-8"?>
+<file path=ppt/slides/slide16.xml><?xml version="1.0" encoding="utf-8"?>
 <p:sld xmlns:a="http://schemas.openxmlformats.org/drawingml/2006/main" xmlns:r="http://schemas.openxmlformats.org/officeDocument/2006/relationships" xmlns:p="http://schemas.openxmlformats.org/presentationml/2006/main">
   <p:cSld>
     <p:bg>
@@ -17660,7 +17217,7 @@
 </p:sld>
 </file>
 
-<file path=ppt/slides/slide18.xml><?xml version="1.0" encoding="utf-8"?>
+<file path=ppt/slides/slide17.xml><?xml version="1.0" encoding="utf-8"?>
 <p:sld xmlns:a="http://schemas.openxmlformats.org/drawingml/2006/main" xmlns:r="http://schemas.openxmlformats.org/officeDocument/2006/relationships" xmlns:p="http://schemas.openxmlformats.org/presentationml/2006/main">
   <p:cSld>
     <p:bg>
@@ -18102,7 +17659,7 @@
 </p:sld>
 </file>
 
-<file path=ppt/slides/slide19.xml><?xml version="1.0" encoding="utf-8"?>
+<file path=ppt/slides/slide18.xml><?xml version="1.0" encoding="utf-8"?>
 <p:sld xmlns:a="http://schemas.openxmlformats.org/drawingml/2006/main" xmlns:r="http://schemas.openxmlformats.org/officeDocument/2006/relationships" xmlns:p="http://schemas.openxmlformats.org/presentationml/2006/main">
   <p:cSld>
     <p:spTree>
@@ -18226,6 +17783,142 @@
     <p:extLst>
       <p:ext uri="{BB962C8B-B14F-4D97-AF65-F5344CB8AC3E}">
         <p14:creationId xmlns:p14="http://schemas.microsoft.com/office/powerpoint/2010/main" val="3253867792"/>
+      </p:ext>
+    </p:extLst>
+  </p:cSld>
+  <p:clrMapOvr>
+    <a:masterClrMapping/>
+  </p:clrMapOvr>
+</p:sld>
+</file>
+
+<file path=ppt/slides/slide19.xml><?xml version="1.0" encoding="utf-8"?>
+<p:sld xmlns:a="http://schemas.openxmlformats.org/drawingml/2006/main" xmlns:r="http://schemas.openxmlformats.org/officeDocument/2006/relationships" xmlns:p="http://schemas.openxmlformats.org/presentationml/2006/main">
+  <p:cSld>
+    <p:spTree>
+      <p:nvGrpSpPr>
+        <p:cNvPr id="1" name=""/>
+        <p:cNvGrpSpPr/>
+        <p:nvPr/>
+      </p:nvGrpSpPr>
+      <p:grpSpPr>
+        <a:xfrm>
+          <a:off x="0" y="0"/>
+          <a:ext cx="0" cy="0"/>
+          <a:chOff x="0" y="0"/>
+          <a:chExt cx="0" cy="0"/>
+        </a:xfrm>
+      </p:grpSpPr>
+      <p:sp>
+        <p:nvSpPr>
+          <p:cNvPr id="2" name="Title 1">
+            <a:extLst>
+              <a:ext uri="{FF2B5EF4-FFF2-40B4-BE49-F238E27FC236}">
+                <a16:creationId xmlns:a16="http://schemas.microsoft.com/office/drawing/2014/main" id="{768BEA18-47E2-4EA5-8EDC-C823620E85BE}"/>
+              </a:ext>
+            </a:extLst>
+          </p:cNvPr>
+          <p:cNvSpPr>
+            <a:spLocks noGrp="1"/>
+          </p:cNvSpPr>
+          <p:nvPr>
+            <p:ph type="title"/>
+          </p:nvPr>
+        </p:nvSpPr>
+        <p:spPr/>
+        <p:txBody>
+          <a:bodyPr/>
+          <a:lstStyle/>
+          <a:p>
+            <a:r>
+              <a:rPr lang="en-US" dirty="0"/>
+              <a:t>Using CDF in Monte Carlo</a:t>
+            </a:r>
+          </a:p>
+        </p:txBody>
+      </p:sp>
+      <p:sp>
+        <p:nvSpPr>
+          <p:cNvPr id="3" name="Content Placeholder 2">
+            <a:extLst>
+              <a:ext uri="{FF2B5EF4-FFF2-40B4-BE49-F238E27FC236}">
+                <a16:creationId xmlns:a16="http://schemas.microsoft.com/office/drawing/2014/main" id="{0A8FE035-6602-4F24-9C2D-8CC12E813B05}"/>
+              </a:ext>
+            </a:extLst>
+          </p:cNvPr>
+          <p:cNvSpPr>
+            <a:spLocks noGrp="1"/>
+          </p:cNvSpPr>
+          <p:nvPr>
+            <p:ph idx="1"/>
+          </p:nvPr>
+        </p:nvSpPr>
+        <p:spPr>
+          <a:xfrm>
+            <a:off x="838200" y="1825625"/>
+            <a:ext cx="3791226" cy="4351338"/>
+          </a:xfrm>
+        </p:spPr>
+        <p:txBody>
+          <a:bodyPr/>
+          <a:lstStyle/>
+          <a:p>
+            <a:r>
+              <a:rPr lang="en-US" dirty="0"/>
+              <a:t>How can we use a CDF to extract an interest rate?</a:t>
+            </a:r>
+          </a:p>
+          <a:p>
+            <a:endParaRPr lang="en-US" dirty="0"/>
+          </a:p>
+          <a:p>
+            <a:r>
+              <a:rPr lang="en-US" dirty="0"/>
+              <a:t>Randomly sample a uniform distribution!</a:t>
+            </a:r>
+          </a:p>
+        </p:txBody>
+      </p:sp>
+      <p:pic>
+        <p:nvPicPr>
+          <p:cNvPr id="4" name="Content Placeholder 4" descr="Chart, histogram&#10;&#10;Description automatically generated">
+            <a:extLst>
+              <a:ext uri="{FF2B5EF4-FFF2-40B4-BE49-F238E27FC236}">
+                <a16:creationId xmlns:a16="http://schemas.microsoft.com/office/drawing/2014/main" id="{7B4B6AAB-4336-4608-BA67-7DFCD5F088AD}"/>
+              </a:ext>
+            </a:extLst>
+          </p:cNvPr>
+          <p:cNvPicPr>
+            <a:picLocks noChangeAspect="1"/>
+          </p:cNvPicPr>
+          <p:nvPr/>
+        </p:nvPicPr>
+        <p:blipFill>
+          <a:blip r:embed="rId2">
+            <a:extLst>
+              <a:ext uri="{28A0092B-C50C-407E-A947-70E740481C1C}">
+                <a14:useLocalDpi xmlns:a14="http://schemas.microsoft.com/office/drawing/2010/main" val="0"/>
+              </a:ext>
+            </a:extLst>
+          </a:blip>
+          <a:stretch>
+            <a:fillRect/>
+          </a:stretch>
+        </p:blipFill>
+        <p:spPr>
+          <a:xfrm>
+            <a:off x="5087201" y="1649012"/>
+            <a:ext cx="6903720" cy="4602480"/>
+          </a:xfrm>
+          <a:prstGeom prst="rect">
+            <a:avLst/>
+          </a:prstGeom>
+        </p:spPr>
+      </p:pic>
+    </p:spTree>
+    <p:extLst>
+      <p:ext uri="{BB962C8B-B14F-4D97-AF65-F5344CB8AC3E}">
+        <p14:creationId xmlns:p14="http://schemas.microsoft.com/office/powerpoint/2010/main" val="79177876"/>
       </p:ext>
     </p:extLst>
   </p:cSld>
@@ -18918,142 +18611,6 @@
               <a:t>Randomly sample a uniform distribution!</a:t>
             </a:r>
           </a:p>
-        </p:txBody>
-      </p:sp>
-      <p:pic>
-        <p:nvPicPr>
-          <p:cNvPr id="4" name="Content Placeholder 4" descr="Chart, histogram&#10;&#10;Description automatically generated">
-            <a:extLst>
-              <a:ext uri="{FF2B5EF4-FFF2-40B4-BE49-F238E27FC236}">
-                <a16:creationId xmlns:a16="http://schemas.microsoft.com/office/drawing/2014/main" id="{7B4B6AAB-4336-4608-BA67-7DFCD5F088AD}"/>
-              </a:ext>
-            </a:extLst>
-          </p:cNvPr>
-          <p:cNvPicPr>
-            <a:picLocks noChangeAspect="1"/>
-          </p:cNvPicPr>
-          <p:nvPr/>
-        </p:nvPicPr>
-        <p:blipFill>
-          <a:blip r:embed="rId2">
-            <a:extLst>
-              <a:ext uri="{28A0092B-C50C-407E-A947-70E740481C1C}">
-                <a14:useLocalDpi xmlns:a14="http://schemas.microsoft.com/office/drawing/2010/main" val="0"/>
-              </a:ext>
-            </a:extLst>
-          </a:blip>
-          <a:stretch>
-            <a:fillRect/>
-          </a:stretch>
-        </p:blipFill>
-        <p:spPr>
-          <a:xfrm>
-            <a:off x="5087201" y="1649012"/>
-            <a:ext cx="6903720" cy="4602480"/>
-          </a:xfrm>
-          <a:prstGeom prst="rect">
-            <a:avLst/>
-          </a:prstGeom>
-        </p:spPr>
-      </p:pic>
-    </p:spTree>
-    <p:extLst>
-      <p:ext uri="{BB962C8B-B14F-4D97-AF65-F5344CB8AC3E}">
-        <p14:creationId xmlns:p14="http://schemas.microsoft.com/office/powerpoint/2010/main" val="79177876"/>
-      </p:ext>
-    </p:extLst>
-  </p:cSld>
-  <p:clrMapOvr>
-    <a:masterClrMapping/>
-  </p:clrMapOvr>
-</p:sld>
-</file>
-
-<file path=ppt/slides/slide21.xml><?xml version="1.0" encoding="utf-8"?>
-<p:sld xmlns:a="http://schemas.openxmlformats.org/drawingml/2006/main" xmlns:r="http://schemas.openxmlformats.org/officeDocument/2006/relationships" xmlns:p="http://schemas.openxmlformats.org/presentationml/2006/main">
-  <p:cSld>
-    <p:spTree>
-      <p:nvGrpSpPr>
-        <p:cNvPr id="1" name=""/>
-        <p:cNvGrpSpPr/>
-        <p:nvPr/>
-      </p:nvGrpSpPr>
-      <p:grpSpPr>
-        <a:xfrm>
-          <a:off x="0" y="0"/>
-          <a:ext cx="0" cy="0"/>
-          <a:chOff x="0" y="0"/>
-          <a:chExt cx="0" cy="0"/>
-        </a:xfrm>
-      </p:grpSpPr>
-      <p:sp>
-        <p:nvSpPr>
-          <p:cNvPr id="2" name="Title 1">
-            <a:extLst>
-              <a:ext uri="{FF2B5EF4-FFF2-40B4-BE49-F238E27FC236}">
-                <a16:creationId xmlns:a16="http://schemas.microsoft.com/office/drawing/2014/main" id="{768BEA18-47E2-4EA5-8EDC-C823620E85BE}"/>
-              </a:ext>
-            </a:extLst>
-          </p:cNvPr>
-          <p:cNvSpPr>
-            <a:spLocks noGrp="1"/>
-          </p:cNvSpPr>
-          <p:nvPr>
-            <p:ph type="title"/>
-          </p:nvPr>
-        </p:nvSpPr>
-        <p:spPr/>
-        <p:txBody>
-          <a:bodyPr/>
-          <a:lstStyle/>
-          <a:p>
-            <a:r>
-              <a:rPr lang="en-US" dirty="0"/>
-              <a:t>Using CDF in Monte Carlo</a:t>
-            </a:r>
-          </a:p>
-        </p:txBody>
-      </p:sp>
-      <p:sp>
-        <p:nvSpPr>
-          <p:cNvPr id="3" name="Content Placeholder 2">
-            <a:extLst>
-              <a:ext uri="{FF2B5EF4-FFF2-40B4-BE49-F238E27FC236}">
-                <a16:creationId xmlns:a16="http://schemas.microsoft.com/office/drawing/2014/main" id="{0A8FE035-6602-4F24-9C2D-8CC12E813B05}"/>
-              </a:ext>
-            </a:extLst>
-          </p:cNvPr>
-          <p:cNvSpPr>
-            <a:spLocks noGrp="1"/>
-          </p:cNvSpPr>
-          <p:nvPr>
-            <p:ph idx="1"/>
-          </p:nvPr>
-        </p:nvSpPr>
-        <p:spPr>
-          <a:xfrm>
-            <a:off x="838200" y="1825625"/>
-            <a:ext cx="3791226" cy="4351338"/>
-          </a:xfrm>
-        </p:spPr>
-        <p:txBody>
-          <a:bodyPr/>
-          <a:lstStyle/>
-          <a:p>
-            <a:r>
-              <a:rPr lang="en-US" dirty="0"/>
-              <a:t>How can we use a CDF to extract an interest rate?</a:t>
-            </a:r>
-          </a:p>
-          <a:p>
-            <a:endParaRPr lang="en-US" dirty="0"/>
-          </a:p>
-          <a:p>
-            <a:r>
-              <a:rPr lang="en-US" dirty="0"/>
-              <a:t>Randomly sample a uniform distribution!</a:t>
-            </a:r>
-          </a:p>
           <a:p>
             <a:endParaRPr lang="en-US" dirty="0"/>
           </a:p>
@@ -19114,7 +18671,7 @@
 </p:sld>
 </file>
 
-<file path=ppt/slides/slide22.xml><?xml version="1.0" encoding="utf-8"?>
+<file path=ppt/slides/slide21.xml><?xml version="1.0" encoding="utf-8"?>
 <p:sld xmlns:a="http://schemas.openxmlformats.org/drawingml/2006/main" xmlns:r="http://schemas.openxmlformats.org/officeDocument/2006/relationships" xmlns:p="http://schemas.openxmlformats.org/presentationml/2006/main">
   <p:cSld>
     <p:spTree>
@@ -19300,7 +18857,7 @@
 </p:sld>
 </file>
 
-<file path=ppt/slides/slide23.xml><?xml version="1.0" encoding="utf-8"?>
+<file path=ppt/slides/slide22.xml><?xml version="1.0" encoding="utf-8"?>
 <p:sld xmlns:a="http://schemas.openxmlformats.org/drawingml/2006/main" xmlns:r="http://schemas.openxmlformats.org/officeDocument/2006/relationships" xmlns:p="http://schemas.openxmlformats.org/presentationml/2006/main">
   <p:cSld>
     <p:spTree>
@@ -19369,7 +18926,7 @@
         </p:spPr>
         <p:txBody>
           <a:bodyPr>
-            <a:normAutofit/>
+            <a:normAutofit lnSpcReduction="10000"/>
           </a:bodyPr>
           <a:lstStyle/>
           <a:p>
@@ -19394,6 +18951,15 @@
             <a:r>
               <a:rPr lang="en-US" dirty="0"/>
               <a:t>Sample returns 0.43</a:t>
+            </a:r>
+          </a:p>
+          <a:p>
+            <a:endParaRPr lang="en-US" dirty="0"/>
+          </a:p>
+          <a:p>
+            <a:r>
+              <a:rPr lang="en-US" dirty="0"/>
+              <a:t>Interest Rate is ~3.45 </a:t>
             </a:r>
           </a:p>
         </p:txBody>
@@ -19952,7 +19518,7 @@
           <a:p>
             <a:r>
               <a:rPr lang="en-US" sz="2200" dirty="0"/>
-              <a:t>A bond is build of three major components. </a:t>
+              <a:t>A bond is built of three major components. </a:t>
             </a:r>
           </a:p>
           <a:p>
@@ -22522,25 +22088,25 @@
           <a:lstStyle/>
           <a:p>
             <a:r>
-              <a:rPr lang="en-US" sz="2200"/>
+              <a:rPr lang="en-US" sz="2200" dirty="0"/>
               <a:t>Regardless of inflation, it is important to take the discount rate into account when dealing with future money. </a:t>
             </a:r>
           </a:p>
           <a:p>
-            <a:endParaRPr lang="en-US" sz="2200"/>
+            <a:endParaRPr lang="en-US" sz="2200" dirty="0"/>
           </a:p>
           <a:p>
             <a:r>
-              <a:rPr lang="en-US" sz="2200"/>
-              <a:t>The discount rate is the interest rate set by the Federal Reserve Bank.</a:t>
+              <a:rPr lang="en-US" sz="2200" dirty="0"/>
+              <a:t>The discount rate is typically the interest rate set by the Federal Reserve Bank, but in principle could be any assumed rate of return.</a:t>
             </a:r>
           </a:p>
           <a:p>
-            <a:endParaRPr lang="en-US" sz="2200"/>
+            <a:endParaRPr lang="en-US" sz="2200" dirty="0"/>
           </a:p>
           <a:p>
             <a:r>
-              <a:rPr lang="en-US" sz="2200"/>
+              <a:rPr lang="en-US" sz="2200" dirty="0"/>
               <a:t>The discount rate should represent the base amount of interest available if you invest elsewhere. </a:t>
             </a:r>
           </a:p>
